--- a/Business Analysis Presentation.pptx
+++ b/Business Analysis Presentation.pptx
@@ -22,12 +22,10 @@
     <p:sldId id="258" r:id="rId16"/>
     <p:sldId id="264" r:id="rId17"/>
     <p:sldId id="265" r:id="rId18"/>
-    <p:sldId id="268" r:id="rId19"/>
-    <p:sldId id="269" r:id="rId20"/>
-    <p:sldId id="266" r:id="rId21"/>
-    <p:sldId id="277" r:id="rId22"/>
-    <p:sldId id="278" r:id="rId23"/>
-    <p:sldId id="279" r:id="rId24"/>
+    <p:sldId id="266" r:id="rId19"/>
+    <p:sldId id="277" r:id="rId20"/>
+    <p:sldId id="278" r:id="rId21"/>
+    <p:sldId id="279" r:id="rId22"/>
   </p:sldIdLst>
   <p:sldSz cx="12192000" cy="6858000"/>
   <p:notesSz cx="6858000" cy="9144000"/>
@@ -987,7 +985,7 @@
               <c:showSerName val="0"/>
               <c:showPercent val="0"/>
               <c:showBubbleSize val="0"/>
-              <c:extLst xmlns:m="http://schemas.openxmlformats.org/officeDocument/2006/math" xmlns:w="http://schemas.openxmlformats.org/wordprocessingml/2006/main" xmlns:wp="http://schemas.openxmlformats.org/drawingml/2006/wordprocessingDrawing" xmlns:a14="http://schemas.microsoft.com/office/drawing/2010/main">
+              <c:extLst xmlns:a14="http://schemas.microsoft.com/office/drawing/2010/main" xmlns:wp="http://schemas.openxmlformats.org/drawingml/2006/wordprocessingDrawing" xmlns:w="http://schemas.openxmlformats.org/wordprocessingml/2006/main" xmlns:m="http://schemas.openxmlformats.org/officeDocument/2006/math">
                 <c:ext xmlns:c15="http://schemas.microsoft.com/office/drawing/2012/chart" uri="{CE6537A1-D6FC-4f65-9D91-7224C49458BB}"/>
                 <c:ext xmlns:c16="http://schemas.microsoft.com/office/drawing/2014/chart" uri="{C3380CC4-5D6E-409C-BE32-E72D297353CC}">
                   <c16:uniqueId val="{00000000-9716-4F4E-8782-36052A8683CE}"/>
@@ -1020,7 +1018,7 @@
               <c:showSerName val="0"/>
               <c:showPercent val="0"/>
               <c:showBubbleSize val="0"/>
-              <c:extLst xmlns:m="http://schemas.openxmlformats.org/officeDocument/2006/math" xmlns:w="http://schemas.openxmlformats.org/wordprocessingml/2006/main" xmlns:wp="http://schemas.openxmlformats.org/drawingml/2006/wordprocessingDrawing" xmlns:a14="http://schemas.microsoft.com/office/drawing/2010/main">
+              <c:extLst xmlns:a14="http://schemas.microsoft.com/office/drawing/2010/main" xmlns:wp="http://schemas.openxmlformats.org/drawingml/2006/wordprocessingDrawing" xmlns:w="http://schemas.openxmlformats.org/wordprocessingml/2006/main" xmlns:m="http://schemas.openxmlformats.org/officeDocument/2006/math">
                 <c:ext xmlns:c15="http://schemas.microsoft.com/office/drawing/2012/chart" uri="{CE6537A1-D6FC-4f65-9D91-7224C49458BB}"/>
                 <c:ext xmlns:c16="http://schemas.microsoft.com/office/drawing/2014/chart" uri="{C3380CC4-5D6E-409C-BE32-E72D297353CC}">
                   <c16:uniqueId val="{00000001-9716-4F4E-8782-36052A8683CE}"/>
@@ -1053,7 +1051,7 @@
               <c:showSerName val="0"/>
               <c:showPercent val="0"/>
               <c:showBubbleSize val="0"/>
-              <c:extLst xmlns:m="http://schemas.openxmlformats.org/officeDocument/2006/math" xmlns:w="http://schemas.openxmlformats.org/wordprocessingml/2006/main" xmlns:wp="http://schemas.openxmlformats.org/drawingml/2006/wordprocessingDrawing" xmlns:a14="http://schemas.microsoft.com/office/drawing/2010/main">
+              <c:extLst xmlns:a14="http://schemas.microsoft.com/office/drawing/2010/main" xmlns:wp="http://schemas.openxmlformats.org/drawingml/2006/wordprocessingDrawing" xmlns:w="http://schemas.openxmlformats.org/wordprocessingml/2006/main" xmlns:m="http://schemas.openxmlformats.org/officeDocument/2006/math">
                 <c:ext xmlns:c15="http://schemas.microsoft.com/office/drawing/2012/chart" uri="{CE6537A1-D6FC-4f65-9D91-7224C49458BB}"/>
                 <c:ext xmlns:c16="http://schemas.microsoft.com/office/drawing/2014/chart" uri="{C3380CC4-5D6E-409C-BE32-E72D297353CC}">
                   <c16:uniqueId val="{00000002-9716-4F4E-8782-36052A8683CE}"/>
@@ -1086,7 +1084,7 @@
               <c:showSerName val="0"/>
               <c:showPercent val="0"/>
               <c:showBubbleSize val="0"/>
-              <c:extLst xmlns:m="http://schemas.openxmlformats.org/officeDocument/2006/math" xmlns:w="http://schemas.openxmlformats.org/wordprocessingml/2006/main" xmlns:wp="http://schemas.openxmlformats.org/drawingml/2006/wordprocessingDrawing" xmlns:a14="http://schemas.microsoft.com/office/drawing/2010/main">
+              <c:extLst xmlns:a14="http://schemas.microsoft.com/office/drawing/2010/main" xmlns:wp="http://schemas.openxmlformats.org/drawingml/2006/wordprocessingDrawing" xmlns:w="http://schemas.openxmlformats.org/wordprocessingml/2006/main" xmlns:m="http://schemas.openxmlformats.org/officeDocument/2006/math">
                 <c:ext xmlns:c15="http://schemas.microsoft.com/office/drawing/2012/chart" uri="{CE6537A1-D6FC-4f65-9D91-7224C49458BB}"/>
                 <c:ext xmlns:c16="http://schemas.microsoft.com/office/drawing/2014/chart" uri="{C3380CC4-5D6E-409C-BE32-E72D297353CC}">
                   <c16:uniqueId val="{00000003-9716-4F4E-8782-36052A8683CE}"/>
@@ -1122,7 +1120,7 @@
             <c:showPercent val="0"/>
             <c:showBubbleSize val="0"/>
             <c:showLeaderLines val="0"/>
-            <c:extLst xmlns:m="http://schemas.openxmlformats.org/officeDocument/2006/math" xmlns:w="http://schemas.openxmlformats.org/wordprocessingml/2006/main" xmlns:wp="http://schemas.openxmlformats.org/drawingml/2006/wordprocessingDrawing" xmlns:a14="http://schemas.microsoft.com/office/drawing/2010/main">
+            <c:extLst xmlns:a14="http://schemas.microsoft.com/office/drawing/2010/main" xmlns:wp="http://schemas.openxmlformats.org/drawingml/2006/wordprocessingDrawing" xmlns:w="http://schemas.openxmlformats.org/wordprocessingml/2006/main" xmlns:m="http://schemas.openxmlformats.org/officeDocument/2006/math">
               <c:ext xmlns:c15="http://schemas.microsoft.com/office/drawing/2012/chart" uri="{CE6537A1-D6FC-4f65-9D91-7224C49458BB}">
                 <c15:showLeaderLines val="0"/>
               </c:ext>
@@ -5152,7 +5150,7 @@
               <c:showSerName val="0"/>
               <c:showPercent val="0"/>
               <c:showBubbleSize val="0"/>
-              <c:extLst xmlns:m="http://schemas.openxmlformats.org/officeDocument/2006/math" xmlns:w="http://schemas.openxmlformats.org/wordprocessingml/2006/main" xmlns:wp="http://schemas.openxmlformats.org/drawingml/2006/wordprocessingDrawing" xmlns:a14="http://schemas.microsoft.com/office/drawing/2010/main">
+              <c:extLst xmlns:a14="http://schemas.microsoft.com/office/drawing/2010/main" xmlns:wp="http://schemas.openxmlformats.org/drawingml/2006/wordprocessingDrawing" xmlns:w="http://schemas.openxmlformats.org/wordprocessingml/2006/main" xmlns:m="http://schemas.openxmlformats.org/officeDocument/2006/math">
                 <c:ext xmlns:c15="http://schemas.microsoft.com/office/drawing/2012/chart" uri="{CE6537A1-D6FC-4f65-9D91-7224C49458BB}"/>
                 <c:ext xmlns:c16="http://schemas.microsoft.com/office/drawing/2014/chart" uri="{C3380CC4-5D6E-409C-BE32-E72D297353CC}">
                   <c16:uniqueId val="{00000000-E425-D041-98C3-CE6CA96721C4}"/>
@@ -5185,7 +5183,7 @@
               <c:showSerName val="0"/>
               <c:showPercent val="0"/>
               <c:showBubbleSize val="0"/>
-              <c:extLst xmlns:m="http://schemas.openxmlformats.org/officeDocument/2006/math" xmlns:w="http://schemas.openxmlformats.org/wordprocessingml/2006/main" xmlns:wp="http://schemas.openxmlformats.org/drawingml/2006/wordprocessingDrawing" xmlns:a14="http://schemas.microsoft.com/office/drawing/2010/main">
+              <c:extLst xmlns:a14="http://schemas.microsoft.com/office/drawing/2010/main" xmlns:wp="http://schemas.openxmlformats.org/drawingml/2006/wordprocessingDrawing" xmlns:w="http://schemas.openxmlformats.org/wordprocessingml/2006/main" xmlns:m="http://schemas.openxmlformats.org/officeDocument/2006/math">
                 <c:ext xmlns:c15="http://schemas.microsoft.com/office/drawing/2012/chart" uri="{CE6537A1-D6FC-4f65-9D91-7224C49458BB}"/>
                 <c:ext xmlns:c16="http://schemas.microsoft.com/office/drawing/2014/chart" uri="{C3380CC4-5D6E-409C-BE32-E72D297353CC}">
                   <c16:uniqueId val="{00000001-E425-D041-98C3-CE6CA96721C4}"/>
@@ -5218,7 +5216,7 @@
               <c:showSerName val="0"/>
               <c:showPercent val="0"/>
               <c:showBubbleSize val="0"/>
-              <c:extLst xmlns:m="http://schemas.openxmlformats.org/officeDocument/2006/math" xmlns:w="http://schemas.openxmlformats.org/wordprocessingml/2006/main" xmlns:wp="http://schemas.openxmlformats.org/drawingml/2006/wordprocessingDrawing" xmlns:a14="http://schemas.microsoft.com/office/drawing/2010/main">
+              <c:extLst xmlns:a14="http://schemas.microsoft.com/office/drawing/2010/main" xmlns:wp="http://schemas.openxmlformats.org/drawingml/2006/wordprocessingDrawing" xmlns:w="http://schemas.openxmlformats.org/wordprocessingml/2006/main" xmlns:m="http://schemas.openxmlformats.org/officeDocument/2006/math">
                 <c:ext xmlns:c15="http://schemas.microsoft.com/office/drawing/2012/chart" uri="{CE6537A1-D6FC-4f65-9D91-7224C49458BB}"/>
                 <c:ext xmlns:c16="http://schemas.microsoft.com/office/drawing/2014/chart" uri="{C3380CC4-5D6E-409C-BE32-E72D297353CC}">
                   <c16:uniqueId val="{00000002-E425-D041-98C3-CE6CA96721C4}"/>
@@ -5251,7 +5249,7 @@
               <c:showSerName val="0"/>
               <c:showPercent val="0"/>
               <c:showBubbleSize val="0"/>
-              <c:extLst xmlns:m="http://schemas.openxmlformats.org/officeDocument/2006/math" xmlns:w="http://schemas.openxmlformats.org/wordprocessingml/2006/main" xmlns:wp="http://schemas.openxmlformats.org/drawingml/2006/wordprocessingDrawing" xmlns:a14="http://schemas.microsoft.com/office/drawing/2010/main">
+              <c:extLst xmlns:a14="http://schemas.microsoft.com/office/drawing/2010/main" xmlns:wp="http://schemas.openxmlformats.org/drawingml/2006/wordprocessingDrawing" xmlns:w="http://schemas.openxmlformats.org/wordprocessingml/2006/main" xmlns:m="http://schemas.openxmlformats.org/officeDocument/2006/math">
                 <c:ext xmlns:c15="http://schemas.microsoft.com/office/drawing/2012/chart" uri="{CE6537A1-D6FC-4f65-9D91-7224C49458BB}"/>
                 <c:ext xmlns:c16="http://schemas.microsoft.com/office/drawing/2014/chart" uri="{C3380CC4-5D6E-409C-BE32-E72D297353CC}">
                   <c16:uniqueId val="{00000003-E425-D041-98C3-CE6CA96721C4}"/>
@@ -5284,7 +5282,7 @@
               <c:showSerName val="0"/>
               <c:showPercent val="0"/>
               <c:showBubbleSize val="0"/>
-              <c:extLst xmlns:m="http://schemas.openxmlformats.org/officeDocument/2006/math" xmlns:w="http://schemas.openxmlformats.org/wordprocessingml/2006/main" xmlns:wp="http://schemas.openxmlformats.org/drawingml/2006/wordprocessingDrawing" xmlns:a14="http://schemas.microsoft.com/office/drawing/2010/main">
+              <c:extLst xmlns:a14="http://schemas.microsoft.com/office/drawing/2010/main" xmlns:wp="http://schemas.openxmlformats.org/drawingml/2006/wordprocessingDrawing" xmlns:w="http://schemas.openxmlformats.org/wordprocessingml/2006/main" xmlns:m="http://schemas.openxmlformats.org/officeDocument/2006/math">
                 <c:ext xmlns:c15="http://schemas.microsoft.com/office/drawing/2012/chart" uri="{CE6537A1-D6FC-4f65-9D91-7224C49458BB}"/>
                 <c:ext xmlns:c16="http://schemas.microsoft.com/office/drawing/2014/chart" uri="{C3380CC4-5D6E-409C-BE32-E72D297353CC}">
                   <c16:uniqueId val="{00000004-E425-D041-98C3-CE6CA96721C4}"/>
@@ -5317,7 +5315,7 @@
               <c:showSerName val="0"/>
               <c:showPercent val="0"/>
               <c:showBubbleSize val="0"/>
-              <c:extLst xmlns:m="http://schemas.openxmlformats.org/officeDocument/2006/math" xmlns:w="http://schemas.openxmlformats.org/wordprocessingml/2006/main" xmlns:wp="http://schemas.openxmlformats.org/drawingml/2006/wordprocessingDrawing" xmlns:a14="http://schemas.microsoft.com/office/drawing/2010/main">
+              <c:extLst xmlns:a14="http://schemas.microsoft.com/office/drawing/2010/main" xmlns:wp="http://schemas.openxmlformats.org/drawingml/2006/wordprocessingDrawing" xmlns:w="http://schemas.openxmlformats.org/wordprocessingml/2006/main" xmlns:m="http://schemas.openxmlformats.org/officeDocument/2006/math">
                 <c:ext xmlns:c15="http://schemas.microsoft.com/office/drawing/2012/chart" uri="{CE6537A1-D6FC-4f65-9D91-7224C49458BB}"/>
                 <c:ext xmlns:c16="http://schemas.microsoft.com/office/drawing/2014/chart" uri="{C3380CC4-5D6E-409C-BE32-E72D297353CC}">
                   <c16:uniqueId val="{00000005-E425-D041-98C3-CE6CA96721C4}"/>
@@ -5350,7 +5348,7 @@
               <c:showSerName val="0"/>
               <c:showPercent val="0"/>
               <c:showBubbleSize val="0"/>
-              <c:extLst xmlns:m="http://schemas.openxmlformats.org/officeDocument/2006/math" xmlns:w="http://schemas.openxmlformats.org/wordprocessingml/2006/main" xmlns:wp="http://schemas.openxmlformats.org/drawingml/2006/wordprocessingDrawing" xmlns:a14="http://schemas.microsoft.com/office/drawing/2010/main">
+              <c:extLst xmlns:a14="http://schemas.microsoft.com/office/drawing/2010/main" xmlns:wp="http://schemas.openxmlformats.org/drawingml/2006/wordprocessingDrawing" xmlns:w="http://schemas.openxmlformats.org/wordprocessingml/2006/main" xmlns:m="http://schemas.openxmlformats.org/officeDocument/2006/math">
                 <c:ext xmlns:c15="http://schemas.microsoft.com/office/drawing/2012/chart" uri="{CE6537A1-D6FC-4f65-9D91-7224C49458BB}"/>
                 <c:ext xmlns:c16="http://schemas.microsoft.com/office/drawing/2014/chart" uri="{C3380CC4-5D6E-409C-BE32-E72D297353CC}">
                   <c16:uniqueId val="{00000006-E425-D041-98C3-CE6CA96721C4}"/>
@@ -5383,7 +5381,7 @@
               <c:showSerName val="0"/>
               <c:showPercent val="0"/>
               <c:showBubbleSize val="0"/>
-              <c:extLst xmlns:m="http://schemas.openxmlformats.org/officeDocument/2006/math" xmlns:w="http://schemas.openxmlformats.org/wordprocessingml/2006/main" xmlns:wp="http://schemas.openxmlformats.org/drawingml/2006/wordprocessingDrawing" xmlns:a14="http://schemas.microsoft.com/office/drawing/2010/main">
+              <c:extLst xmlns:a14="http://schemas.microsoft.com/office/drawing/2010/main" xmlns:wp="http://schemas.openxmlformats.org/drawingml/2006/wordprocessingDrawing" xmlns:w="http://schemas.openxmlformats.org/wordprocessingml/2006/main" xmlns:m="http://schemas.openxmlformats.org/officeDocument/2006/math">
                 <c:ext xmlns:c15="http://schemas.microsoft.com/office/drawing/2012/chart" uri="{CE6537A1-D6FC-4f65-9D91-7224C49458BB}"/>
                 <c:ext xmlns:c16="http://schemas.microsoft.com/office/drawing/2014/chart" uri="{C3380CC4-5D6E-409C-BE32-E72D297353CC}">
                   <c16:uniqueId val="{00000007-E425-D041-98C3-CE6CA96721C4}"/>
@@ -5416,7 +5414,7 @@
               <c:showSerName val="0"/>
               <c:showPercent val="0"/>
               <c:showBubbleSize val="0"/>
-              <c:extLst xmlns:m="http://schemas.openxmlformats.org/officeDocument/2006/math" xmlns:w="http://schemas.openxmlformats.org/wordprocessingml/2006/main" xmlns:wp="http://schemas.openxmlformats.org/drawingml/2006/wordprocessingDrawing" xmlns:a14="http://schemas.microsoft.com/office/drawing/2010/main">
+              <c:extLst xmlns:a14="http://schemas.microsoft.com/office/drawing/2010/main" xmlns:wp="http://schemas.openxmlformats.org/drawingml/2006/wordprocessingDrawing" xmlns:w="http://schemas.openxmlformats.org/wordprocessingml/2006/main" xmlns:m="http://schemas.openxmlformats.org/officeDocument/2006/math">
                 <c:ext xmlns:c15="http://schemas.microsoft.com/office/drawing/2012/chart" uri="{CE6537A1-D6FC-4f65-9D91-7224C49458BB}"/>
                 <c:ext xmlns:c16="http://schemas.microsoft.com/office/drawing/2014/chart" uri="{C3380CC4-5D6E-409C-BE32-E72D297353CC}">
                   <c16:uniqueId val="{00000008-E425-D041-98C3-CE6CA96721C4}"/>
@@ -5449,7 +5447,7 @@
               <c:showSerName val="0"/>
               <c:showPercent val="0"/>
               <c:showBubbleSize val="0"/>
-              <c:extLst xmlns:m="http://schemas.openxmlformats.org/officeDocument/2006/math" xmlns:w="http://schemas.openxmlformats.org/wordprocessingml/2006/main" xmlns:wp="http://schemas.openxmlformats.org/drawingml/2006/wordprocessingDrawing" xmlns:a14="http://schemas.microsoft.com/office/drawing/2010/main">
+              <c:extLst xmlns:a14="http://schemas.microsoft.com/office/drawing/2010/main" xmlns:wp="http://schemas.openxmlformats.org/drawingml/2006/wordprocessingDrawing" xmlns:w="http://schemas.openxmlformats.org/wordprocessingml/2006/main" xmlns:m="http://schemas.openxmlformats.org/officeDocument/2006/math">
                 <c:ext xmlns:c15="http://schemas.microsoft.com/office/drawing/2012/chart" uri="{CE6537A1-D6FC-4f65-9D91-7224C49458BB}"/>
                 <c:ext xmlns:c16="http://schemas.microsoft.com/office/drawing/2014/chart" uri="{C3380CC4-5D6E-409C-BE32-E72D297353CC}">
                   <c16:uniqueId val="{00000009-E425-D041-98C3-CE6CA96721C4}"/>
@@ -5482,7 +5480,7 @@
               <c:showSerName val="0"/>
               <c:showPercent val="0"/>
               <c:showBubbleSize val="0"/>
-              <c:extLst xmlns:m="http://schemas.openxmlformats.org/officeDocument/2006/math" xmlns:w="http://schemas.openxmlformats.org/wordprocessingml/2006/main" xmlns:wp="http://schemas.openxmlformats.org/drawingml/2006/wordprocessingDrawing" xmlns:a14="http://schemas.microsoft.com/office/drawing/2010/main">
+              <c:extLst xmlns:a14="http://schemas.microsoft.com/office/drawing/2010/main" xmlns:wp="http://schemas.openxmlformats.org/drawingml/2006/wordprocessingDrawing" xmlns:w="http://schemas.openxmlformats.org/wordprocessingml/2006/main" xmlns:m="http://schemas.openxmlformats.org/officeDocument/2006/math">
                 <c:ext xmlns:c15="http://schemas.microsoft.com/office/drawing/2012/chart" uri="{CE6537A1-D6FC-4f65-9D91-7224C49458BB}"/>
                 <c:ext xmlns:c16="http://schemas.microsoft.com/office/drawing/2014/chart" uri="{C3380CC4-5D6E-409C-BE32-E72D297353CC}">
                   <c16:uniqueId val="{0000000A-E425-D041-98C3-CE6CA96721C4}"/>
@@ -5515,7 +5513,7 @@
               <c:showSerName val="0"/>
               <c:showPercent val="0"/>
               <c:showBubbleSize val="0"/>
-              <c:extLst xmlns:m="http://schemas.openxmlformats.org/officeDocument/2006/math" xmlns:w="http://schemas.openxmlformats.org/wordprocessingml/2006/main" xmlns:wp="http://schemas.openxmlformats.org/drawingml/2006/wordprocessingDrawing" xmlns:a14="http://schemas.microsoft.com/office/drawing/2010/main">
+              <c:extLst xmlns:a14="http://schemas.microsoft.com/office/drawing/2010/main" xmlns:wp="http://schemas.openxmlformats.org/drawingml/2006/wordprocessingDrawing" xmlns:w="http://schemas.openxmlformats.org/wordprocessingml/2006/main" xmlns:m="http://schemas.openxmlformats.org/officeDocument/2006/math">
                 <c:ext xmlns:c15="http://schemas.microsoft.com/office/drawing/2012/chart" uri="{CE6537A1-D6FC-4f65-9D91-7224C49458BB}"/>
                 <c:ext xmlns:c16="http://schemas.microsoft.com/office/drawing/2014/chart" uri="{C3380CC4-5D6E-409C-BE32-E72D297353CC}">
                   <c16:uniqueId val="{0000000B-E425-D041-98C3-CE6CA96721C4}"/>
@@ -5548,7 +5546,7 @@
               <c:showSerName val="0"/>
               <c:showPercent val="0"/>
               <c:showBubbleSize val="0"/>
-              <c:extLst xmlns:m="http://schemas.openxmlformats.org/officeDocument/2006/math" xmlns:w="http://schemas.openxmlformats.org/wordprocessingml/2006/main" xmlns:wp="http://schemas.openxmlformats.org/drawingml/2006/wordprocessingDrawing" xmlns:a14="http://schemas.microsoft.com/office/drawing/2010/main">
+              <c:extLst xmlns:a14="http://schemas.microsoft.com/office/drawing/2010/main" xmlns:wp="http://schemas.openxmlformats.org/drawingml/2006/wordprocessingDrawing" xmlns:w="http://schemas.openxmlformats.org/wordprocessingml/2006/main" xmlns:m="http://schemas.openxmlformats.org/officeDocument/2006/math">
                 <c:ext xmlns:c15="http://schemas.microsoft.com/office/drawing/2012/chart" uri="{CE6537A1-D6FC-4f65-9D91-7224C49458BB}"/>
                 <c:ext xmlns:c16="http://schemas.microsoft.com/office/drawing/2014/chart" uri="{C3380CC4-5D6E-409C-BE32-E72D297353CC}">
                   <c16:uniqueId val="{0000000C-E425-D041-98C3-CE6CA96721C4}"/>
@@ -5581,7 +5579,7 @@
               <c:showSerName val="0"/>
               <c:showPercent val="0"/>
               <c:showBubbleSize val="0"/>
-              <c:extLst xmlns:m="http://schemas.openxmlformats.org/officeDocument/2006/math" xmlns:w="http://schemas.openxmlformats.org/wordprocessingml/2006/main" xmlns:wp="http://schemas.openxmlformats.org/drawingml/2006/wordprocessingDrawing" xmlns:a14="http://schemas.microsoft.com/office/drawing/2010/main">
+              <c:extLst xmlns:a14="http://schemas.microsoft.com/office/drawing/2010/main" xmlns:wp="http://schemas.openxmlformats.org/drawingml/2006/wordprocessingDrawing" xmlns:w="http://schemas.openxmlformats.org/wordprocessingml/2006/main" xmlns:m="http://schemas.openxmlformats.org/officeDocument/2006/math">
                 <c:ext xmlns:c15="http://schemas.microsoft.com/office/drawing/2012/chart" uri="{CE6537A1-D6FC-4f65-9D91-7224C49458BB}"/>
                 <c:ext xmlns:c16="http://schemas.microsoft.com/office/drawing/2014/chart" uri="{C3380CC4-5D6E-409C-BE32-E72D297353CC}">
                   <c16:uniqueId val="{0000000D-E425-D041-98C3-CE6CA96721C4}"/>
@@ -5614,7 +5612,7 @@
               <c:showSerName val="0"/>
               <c:showPercent val="0"/>
               <c:showBubbleSize val="0"/>
-              <c:extLst xmlns:m="http://schemas.openxmlformats.org/officeDocument/2006/math" xmlns:w="http://schemas.openxmlformats.org/wordprocessingml/2006/main" xmlns:wp="http://schemas.openxmlformats.org/drawingml/2006/wordprocessingDrawing" xmlns:a14="http://schemas.microsoft.com/office/drawing/2010/main">
+              <c:extLst xmlns:a14="http://schemas.microsoft.com/office/drawing/2010/main" xmlns:wp="http://schemas.openxmlformats.org/drawingml/2006/wordprocessingDrawing" xmlns:w="http://schemas.openxmlformats.org/wordprocessingml/2006/main" xmlns:m="http://schemas.openxmlformats.org/officeDocument/2006/math">
                 <c:ext xmlns:c15="http://schemas.microsoft.com/office/drawing/2012/chart" uri="{CE6537A1-D6FC-4f65-9D91-7224C49458BB}"/>
                 <c:ext xmlns:c16="http://schemas.microsoft.com/office/drawing/2014/chart" uri="{C3380CC4-5D6E-409C-BE32-E72D297353CC}">
                   <c16:uniqueId val="{0000000E-E425-D041-98C3-CE6CA96721C4}"/>
@@ -5647,7 +5645,7 @@
               <c:showSerName val="0"/>
               <c:showPercent val="0"/>
               <c:showBubbleSize val="0"/>
-              <c:extLst xmlns:m="http://schemas.openxmlformats.org/officeDocument/2006/math" xmlns:w="http://schemas.openxmlformats.org/wordprocessingml/2006/main" xmlns:wp="http://schemas.openxmlformats.org/drawingml/2006/wordprocessingDrawing" xmlns:a14="http://schemas.microsoft.com/office/drawing/2010/main">
+              <c:extLst xmlns:a14="http://schemas.microsoft.com/office/drawing/2010/main" xmlns:wp="http://schemas.openxmlformats.org/drawingml/2006/wordprocessingDrawing" xmlns:w="http://schemas.openxmlformats.org/wordprocessingml/2006/main" xmlns:m="http://schemas.openxmlformats.org/officeDocument/2006/math">
                 <c:ext xmlns:c15="http://schemas.microsoft.com/office/drawing/2012/chart" uri="{CE6537A1-D6FC-4f65-9D91-7224C49458BB}"/>
                 <c:ext xmlns:c16="http://schemas.microsoft.com/office/drawing/2014/chart" uri="{C3380CC4-5D6E-409C-BE32-E72D297353CC}">
                   <c16:uniqueId val="{0000000F-E425-D041-98C3-CE6CA96721C4}"/>
@@ -5683,7 +5681,7 @@
             <c:showPercent val="0"/>
             <c:showBubbleSize val="0"/>
             <c:showLeaderLines val="0"/>
-            <c:extLst xmlns:m="http://schemas.openxmlformats.org/officeDocument/2006/math" xmlns:w="http://schemas.openxmlformats.org/wordprocessingml/2006/main" xmlns:wp="http://schemas.openxmlformats.org/drawingml/2006/wordprocessingDrawing" xmlns:a14="http://schemas.microsoft.com/office/drawing/2010/main">
+            <c:extLst xmlns:a14="http://schemas.microsoft.com/office/drawing/2010/main" xmlns:wp="http://schemas.openxmlformats.org/drawingml/2006/wordprocessingDrawing" xmlns:w="http://schemas.openxmlformats.org/wordprocessingml/2006/main" xmlns:m="http://schemas.openxmlformats.org/officeDocument/2006/math">
               <c:ext xmlns:c15="http://schemas.microsoft.com/office/drawing/2012/chart" uri="{CE6537A1-D6FC-4f65-9D91-7224C49458BB}">
                 <c15:showLeaderLines val="0"/>
               </c:ext>
@@ -13254,7 +13252,7 @@
           <a:p>
             <a:fld id="{B5634395-B649-7343-9506-3635759E94FB}" type="datetimeFigureOut">
               <a:rPr lang="en-US" smtClean="0"/>
-              <a:t>7/19/24</a:t>
+              <a:t>7/20/24</a:t>
             </a:fld>
             <a:endParaRPr lang="en-US"/>
           </a:p>
@@ -13391,7 +13389,7 @@
           <a:p>
             <a:fld id="{B5634395-B649-7343-9506-3635759E94FB}" type="datetimeFigureOut">
               <a:rPr lang="en-US" smtClean="0"/>
-              <a:t>7/19/24</a:t>
+              <a:t>7/20/24</a:t>
             </a:fld>
             <a:endParaRPr lang="en-US"/>
           </a:p>
@@ -13728,7 +13726,7 @@
           <a:p>
             <a:fld id="{B5634395-B649-7343-9506-3635759E94FB}" type="datetimeFigureOut">
               <a:rPr lang="en-US" smtClean="0"/>
-              <a:t>7/19/24</a:t>
+              <a:t>7/20/24</a:t>
             </a:fld>
             <a:endParaRPr lang="en-US"/>
           </a:p>
@@ -14041,7 +14039,7 @@
           <a:p>
             <a:fld id="{B5634395-B649-7343-9506-3635759E94FB}" type="datetimeFigureOut">
               <a:rPr lang="en-US" smtClean="0"/>
-              <a:t>7/19/24</a:t>
+              <a:t>7/20/24</a:t>
             </a:fld>
             <a:endParaRPr lang="en-US"/>
           </a:p>
@@ -14265,7 +14263,7 @@
           <a:p>
             <a:fld id="{B5634395-B649-7343-9506-3635759E94FB}" type="datetimeFigureOut">
               <a:rPr lang="en-US" smtClean="0"/>
-              <a:t>7/19/24</a:t>
+              <a:t>7/20/24</a:t>
             </a:fld>
             <a:endParaRPr lang="en-US"/>
           </a:p>
@@ -14499,7 +14497,7 @@
           <a:p>
             <a:fld id="{B5634395-B649-7343-9506-3635759E94FB}" type="datetimeFigureOut">
               <a:rPr lang="en-US" smtClean="0"/>
-              <a:t>7/19/24</a:t>
+              <a:t>7/20/24</a:t>
             </a:fld>
             <a:endParaRPr lang="en-US"/>
           </a:p>
@@ -14807,7 +14805,7 @@
           <a:p>
             <a:fld id="{B5634395-B649-7343-9506-3635759E94FB}" type="datetimeFigureOut">
               <a:rPr lang="en-US" smtClean="0"/>
-              <a:t>7/19/24</a:t>
+              <a:t>7/20/24</a:t>
             </a:fld>
             <a:endParaRPr lang="en-US"/>
           </a:p>
@@ -15107,7 +15105,7 @@
           <a:p>
             <a:fld id="{B5634395-B649-7343-9506-3635759E94FB}" type="datetimeFigureOut">
               <a:rPr lang="en-US" smtClean="0"/>
-              <a:t>7/19/24</a:t>
+              <a:t>7/20/24</a:t>
             </a:fld>
             <a:endParaRPr lang="en-US"/>
           </a:p>
@@ -15399,7 +15397,7 @@
           <a:p>
             <a:fld id="{B5634395-B649-7343-9506-3635759E94FB}" type="datetimeFigureOut">
               <a:rPr lang="en-US" smtClean="0"/>
-              <a:t>7/19/24</a:t>
+              <a:t>7/20/24</a:t>
             </a:fld>
             <a:endParaRPr lang="en-US"/>
           </a:p>
@@ -15838,7 +15836,7 @@
           <a:p>
             <a:fld id="{B5634395-B649-7343-9506-3635759E94FB}" type="datetimeFigureOut">
               <a:rPr lang="en-US" smtClean="0"/>
-              <a:t>7/19/24</a:t>
+              <a:t>7/20/24</a:t>
             </a:fld>
             <a:endParaRPr lang="en-US"/>
           </a:p>
@@ -16004,7 +16002,7 @@
           <a:p>
             <a:fld id="{B5634395-B649-7343-9506-3635759E94FB}" type="datetimeFigureOut">
               <a:rPr lang="en-US" smtClean="0"/>
-              <a:t>7/19/24</a:t>
+              <a:t>7/20/24</a:t>
             </a:fld>
             <a:endParaRPr lang="en-US"/>
           </a:p>
@@ -16329,7 +16327,7 @@
           <a:p>
             <a:fld id="{B5634395-B649-7343-9506-3635759E94FB}" type="datetimeFigureOut">
               <a:rPr lang="en-US" smtClean="0"/>
-              <a:t>7/19/24</a:t>
+              <a:t>7/20/24</a:t>
             </a:fld>
             <a:endParaRPr lang="en-US"/>
           </a:p>
@@ -27725,7 +27723,7 @@
           <p:cNvPr id="2" name="Title 1">
             <a:extLst>
               <a:ext uri="{FF2B5EF4-FFF2-40B4-BE49-F238E27FC236}">
-                <a16:creationId xmlns:a16="http://schemas.microsoft.com/office/drawing/2014/main" id="{CABCE785-91B2-2D73-75C9-57949CED6510}"/>
+                <a16:creationId xmlns:a16="http://schemas.microsoft.com/office/drawing/2014/main" id="{01832AFF-BE92-21D9-A7DA-7E66C8C4B2F3}"/>
               </a:ext>
             </a:extLst>
           </p:cNvPr>
@@ -27743,7 +27741,7 @@
           <a:p>
             <a:r>
               <a:rPr lang="en-US" dirty="0"/>
-              <a:t>TEAM OVERVIEW</a:t>
+              <a:t>THANK YOU</a:t>
             </a:r>
           </a:p>
         </p:txBody>
@@ -27751,7 +27749,7 @@
     </p:spTree>
     <p:extLst>
       <p:ext uri="{BB962C8B-B14F-4D97-AF65-F5344CB8AC3E}">
-        <p14:creationId xmlns:p14="http://schemas.microsoft.com/office/powerpoint/2010/main" val="2890781477"/>
+        <p14:creationId xmlns:p14="http://schemas.microsoft.com/office/powerpoint/2010/main" val="801623538"/>
       </p:ext>
     </p:extLst>
   </p:cSld>
@@ -27761,12 +27759,12 @@
   <mc:AlternateContent xmlns:mc="http://schemas.openxmlformats.org/markup-compatibility/2006" xmlns:p14="http://schemas.microsoft.com/office/powerpoint/2010/main">
     <mc:Choice Requires="p14">
       <p:transition spd="slow" p14:dur="1500">
-        <p:split orient="vert"/>
+        <p:wipe/>
       </p:transition>
     </mc:Choice>
     <mc:Fallback xmlns="">
       <p:transition spd="slow">
-        <p:split orient="vert"/>
+        <p:wipe/>
       </p:transition>
     </mc:Fallback>
   </mc:AlternateContent>
@@ -27795,7 +27793,7 @@
           <p:cNvPr id="2" name="Title 1">
             <a:extLst>
               <a:ext uri="{FF2B5EF4-FFF2-40B4-BE49-F238E27FC236}">
-                <a16:creationId xmlns:a16="http://schemas.microsoft.com/office/drawing/2014/main" id="{B684C295-E271-50BC-A466-82FC6BBFB0CF}"/>
+                <a16:creationId xmlns:a16="http://schemas.microsoft.com/office/drawing/2014/main" id="{910C0C4C-7B87-350A-2466-99F5D7B6E50A}"/>
               </a:ext>
             </a:extLst>
           </p:cNvPr>
@@ -27803,7 +27801,7 @@
             <a:spLocks noGrp="1"/>
           </p:cNvSpPr>
           <p:nvPr>
-            <p:ph type="title"/>
+            <p:ph type="ctrTitle"/>
           </p:nvPr>
         </p:nvSpPr>
         <p:spPr/>
@@ -27812,1207 +27810,25 @@
           <a:lstStyle/>
           <a:p>
             <a:r>
-              <a:rPr lang="en-US" b="1" dirty="0">
-                <a:solidFill>
-                  <a:schemeClr val="accent1"/>
-                </a:solidFill>
-              </a:rPr>
-              <a:t>Team Composition </a:t>
+              <a:rPr lang="en-US" dirty="0"/>
+              <a:t>APPENDICES</a:t>
             </a:r>
           </a:p>
         </p:txBody>
       </p:sp>
-      <p:cxnSp>
-        <p:nvCxnSpPr>
-          <p:cNvPr id="11" name="Straight Connector 10">
-            <a:extLst>
-              <a:ext uri="{FF2B5EF4-FFF2-40B4-BE49-F238E27FC236}">
-                <a16:creationId xmlns:a16="http://schemas.microsoft.com/office/drawing/2014/main" id="{5FF49E58-04D1-1FCC-FAA6-E8E043AAEFDE}"/>
-              </a:ext>
-            </a:extLst>
-          </p:cNvPr>
-          <p:cNvCxnSpPr>
-            <a:cxnSpLocks/>
-          </p:cNvCxnSpPr>
-          <p:nvPr/>
-        </p:nvCxnSpPr>
-        <p:spPr>
-          <a:xfrm>
-            <a:off x="3756000" y="6497353"/>
-            <a:ext cx="4680000" cy="0"/>
-          </a:xfrm>
-          <a:prstGeom prst="line">
-            <a:avLst/>
-          </a:prstGeom>
-          <a:ln w="12700">
-            <a:solidFill>
-              <a:schemeClr val="accent2"/>
-            </a:solidFill>
-          </a:ln>
-        </p:spPr>
-        <p:style>
-          <a:lnRef idx="1">
-            <a:schemeClr val="accent1"/>
-          </a:lnRef>
-          <a:fillRef idx="0">
-            <a:schemeClr val="accent1"/>
-          </a:fillRef>
-          <a:effectRef idx="0">
-            <a:schemeClr val="accent1"/>
-          </a:effectRef>
-          <a:fontRef idx="minor">
-            <a:schemeClr val="tx1"/>
-          </a:fontRef>
-        </p:style>
-      </p:cxnSp>
-      <p:sp>
-        <p:nvSpPr>
-          <p:cNvPr id="12" name="Oval 11">
-            <a:extLst>
-              <a:ext uri="{FF2B5EF4-FFF2-40B4-BE49-F238E27FC236}">
-                <a16:creationId xmlns:a16="http://schemas.microsoft.com/office/drawing/2014/main" id="{307768F2-6F2C-520D-B914-DE1869133F42}"/>
-              </a:ext>
-            </a:extLst>
-          </p:cNvPr>
-          <p:cNvSpPr/>
-          <p:nvPr/>
-        </p:nvSpPr>
-        <p:spPr>
-          <a:xfrm>
-            <a:off x="3548977" y="6359779"/>
-            <a:ext cx="252000" cy="252000"/>
-          </a:xfrm>
-          <a:prstGeom prst="ellipse">
-            <a:avLst/>
-          </a:prstGeom>
-          <a:solidFill>
-            <a:schemeClr val="bg2">
-              <a:lumMod val="90000"/>
-            </a:schemeClr>
-          </a:solidFill>
-          <a:ln>
-            <a:solidFill>
-              <a:schemeClr val="accent2"/>
-            </a:solidFill>
-            <a:prstDash val="sysDash"/>
-          </a:ln>
-        </p:spPr>
-        <p:style>
-          <a:lnRef idx="2">
-            <a:schemeClr val="accent1">
-              <a:shade val="50000"/>
-            </a:schemeClr>
-          </a:lnRef>
-          <a:fillRef idx="1">
-            <a:schemeClr val="accent1"/>
-          </a:fillRef>
-          <a:effectRef idx="0">
-            <a:schemeClr val="accent1"/>
-          </a:effectRef>
-          <a:fontRef idx="minor">
-            <a:schemeClr val="lt1"/>
-          </a:fontRef>
-        </p:style>
-        <p:txBody>
-          <a:bodyPr rtlCol="0" anchor="ctr"/>
-          <a:lstStyle/>
-          <a:p>
-            <a:pPr algn="ctr"/>
-            <a:r>
-              <a:rPr lang="en-US" sz="1000" dirty="0">
-                <a:solidFill>
-                  <a:schemeClr val="bg2"/>
-                </a:solidFill>
-              </a:rPr>
-              <a:t>1</a:t>
-            </a:r>
-          </a:p>
-        </p:txBody>
-      </p:sp>
-      <p:sp>
-        <p:nvSpPr>
-          <p:cNvPr id="13" name="TextBox 12">
-            <a:extLst>
-              <a:ext uri="{FF2B5EF4-FFF2-40B4-BE49-F238E27FC236}">
-                <a16:creationId xmlns:a16="http://schemas.microsoft.com/office/drawing/2014/main" id="{E4725E1B-5676-6104-FD16-BB3F3B54B069}"/>
-              </a:ext>
-            </a:extLst>
-          </p:cNvPr>
-          <p:cNvSpPr txBox="1"/>
-          <p:nvPr/>
-        </p:nvSpPr>
-        <p:spPr>
-          <a:xfrm>
-            <a:off x="3084622" y="6611778"/>
-            <a:ext cx="1828800" cy="230832"/>
-          </a:xfrm>
-          <a:prstGeom prst="rect">
-            <a:avLst/>
-          </a:prstGeom>
-          <a:noFill/>
-        </p:spPr>
-        <p:txBody>
-          <a:bodyPr wrap="square" rtlCol="0">
-            <a:spAutoFit/>
-          </a:bodyPr>
-          <a:lstStyle/>
-          <a:p>
-            <a:r>
-              <a:rPr lang="en-US" sz="900" dirty="0">
-                <a:solidFill>
-                  <a:schemeClr val="bg2">
-                    <a:lumMod val="90000"/>
-                  </a:schemeClr>
-                </a:solidFill>
-                <a:latin typeface="Open Sans" panose="020B0606030504020204" pitchFamily="34" charset="0"/>
-                <a:ea typeface="Open Sans" panose="020B0606030504020204" pitchFamily="34" charset="0"/>
-                <a:cs typeface="Open Sans" panose="020B0606030504020204" pitchFamily="34" charset="0"/>
-              </a:rPr>
-              <a:t>Company</a:t>
-            </a:r>
-            <a:r>
-              <a:rPr lang="en-US" sz="900" dirty="0">
-                <a:solidFill>
-                  <a:schemeClr val="bg2">
-                    <a:lumMod val="90000"/>
-                  </a:schemeClr>
-                </a:solidFill>
-              </a:rPr>
-              <a:t>  Overview</a:t>
-            </a:r>
-          </a:p>
-        </p:txBody>
-      </p:sp>
-      <p:sp>
-        <p:nvSpPr>
-          <p:cNvPr id="14" name="Oval 13">
-            <a:extLst>
-              <a:ext uri="{FF2B5EF4-FFF2-40B4-BE49-F238E27FC236}">
-                <a16:creationId xmlns:a16="http://schemas.microsoft.com/office/drawing/2014/main" id="{DE562632-5560-D23F-E5C3-F996BCDAE1C8}"/>
-              </a:ext>
-            </a:extLst>
-          </p:cNvPr>
-          <p:cNvSpPr/>
-          <p:nvPr/>
-        </p:nvSpPr>
-        <p:spPr>
-          <a:xfrm>
-            <a:off x="5090632" y="6359779"/>
-            <a:ext cx="252000" cy="252000"/>
-          </a:xfrm>
-          <a:prstGeom prst="ellipse">
-            <a:avLst/>
-          </a:prstGeom>
-          <a:solidFill>
-            <a:schemeClr val="bg2">
-              <a:lumMod val="90000"/>
-            </a:schemeClr>
-          </a:solidFill>
-          <a:ln>
-            <a:solidFill>
-              <a:schemeClr val="accent2"/>
-            </a:solidFill>
-            <a:prstDash val="sysDash"/>
-          </a:ln>
-        </p:spPr>
-        <p:style>
-          <a:lnRef idx="2">
-            <a:schemeClr val="accent1">
-              <a:shade val="50000"/>
-            </a:schemeClr>
-          </a:lnRef>
-          <a:fillRef idx="1">
-            <a:schemeClr val="accent1"/>
-          </a:fillRef>
-          <a:effectRef idx="0">
-            <a:schemeClr val="accent1"/>
-          </a:effectRef>
-          <a:fontRef idx="minor">
-            <a:schemeClr val="lt1"/>
-          </a:fontRef>
-        </p:style>
-        <p:txBody>
-          <a:bodyPr rtlCol="0" anchor="ctr"/>
-          <a:lstStyle/>
-          <a:p>
-            <a:pPr algn="ctr"/>
-            <a:r>
-              <a:rPr lang="en-US" sz="1000" dirty="0">
-                <a:solidFill>
-                  <a:schemeClr val="bg2"/>
-                </a:solidFill>
-              </a:rPr>
-              <a:t>2</a:t>
-            </a:r>
-          </a:p>
-        </p:txBody>
-      </p:sp>
-      <p:sp>
-        <p:nvSpPr>
-          <p:cNvPr id="15" name="TextBox 14">
-            <a:extLst>
-              <a:ext uri="{FF2B5EF4-FFF2-40B4-BE49-F238E27FC236}">
-                <a16:creationId xmlns:a16="http://schemas.microsoft.com/office/drawing/2014/main" id="{06DCB9A2-6CCE-1937-748A-AE56F4D373B8}"/>
-              </a:ext>
-            </a:extLst>
-          </p:cNvPr>
-          <p:cNvSpPr txBox="1"/>
-          <p:nvPr/>
-        </p:nvSpPr>
-        <p:spPr>
-          <a:xfrm>
-            <a:off x="4658207" y="6611778"/>
-            <a:ext cx="1828800" cy="230832"/>
-          </a:xfrm>
-          <a:prstGeom prst="rect">
-            <a:avLst/>
-          </a:prstGeom>
-          <a:noFill/>
-        </p:spPr>
-        <p:txBody>
-          <a:bodyPr wrap="square" rtlCol="0">
-            <a:spAutoFit/>
-          </a:bodyPr>
-          <a:lstStyle/>
-          <a:p>
-            <a:r>
-              <a:rPr lang="en-US" sz="900" dirty="0">
-                <a:solidFill>
-                  <a:schemeClr val="bg2">
-                    <a:lumMod val="90000"/>
-                  </a:schemeClr>
-                </a:solidFill>
-                <a:latin typeface="Open Sans" panose="020B0606030504020204" pitchFamily="34" charset="0"/>
-                <a:ea typeface="Open Sans" panose="020B0606030504020204" pitchFamily="34" charset="0"/>
-                <a:cs typeface="Open Sans" panose="020B0606030504020204" pitchFamily="34" charset="0"/>
-              </a:rPr>
-              <a:t>Industry</a:t>
-            </a:r>
-            <a:r>
-              <a:rPr lang="en-US" sz="900" dirty="0">
-                <a:solidFill>
-                  <a:schemeClr val="bg2">
-                    <a:lumMod val="90000"/>
-                  </a:schemeClr>
-                </a:solidFill>
-              </a:rPr>
-              <a:t>  Overview</a:t>
-            </a:r>
-          </a:p>
-        </p:txBody>
-      </p:sp>
-      <p:sp>
-        <p:nvSpPr>
-          <p:cNvPr id="16" name="Oval 15">
-            <a:extLst>
-              <a:ext uri="{FF2B5EF4-FFF2-40B4-BE49-F238E27FC236}">
-                <a16:creationId xmlns:a16="http://schemas.microsoft.com/office/drawing/2014/main" id="{FF056291-3E36-C6FF-3141-3EEB6489B806}"/>
-              </a:ext>
-            </a:extLst>
-          </p:cNvPr>
-          <p:cNvSpPr/>
-          <p:nvPr/>
-        </p:nvSpPr>
-        <p:spPr>
-          <a:xfrm>
-            <a:off x="6799422" y="6359779"/>
-            <a:ext cx="252000" cy="252000"/>
-          </a:xfrm>
-          <a:prstGeom prst="ellipse">
-            <a:avLst/>
-          </a:prstGeom>
-          <a:solidFill>
-            <a:schemeClr val="bg2">
-              <a:lumMod val="90000"/>
-            </a:schemeClr>
-          </a:solidFill>
-          <a:ln>
-            <a:solidFill>
-              <a:schemeClr val="accent2"/>
-            </a:solidFill>
-            <a:prstDash val="sysDash"/>
-          </a:ln>
-        </p:spPr>
-        <p:style>
-          <a:lnRef idx="2">
-            <a:schemeClr val="accent1">
-              <a:shade val="50000"/>
-            </a:schemeClr>
-          </a:lnRef>
-          <a:fillRef idx="1">
-            <a:schemeClr val="accent1"/>
-          </a:fillRef>
-          <a:effectRef idx="0">
-            <a:schemeClr val="accent1"/>
-          </a:effectRef>
-          <a:fontRef idx="minor">
-            <a:schemeClr val="lt1"/>
-          </a:fontRef>
-        </p:style>
-        <p:txBody>
-          <a:bodyPr rtlCol="0" anchor="ctr"/>
-          <a:lstStyle/>
-          <a:p>
-            <a:pPr algn="ctr"/>
-            <a:r>
-              <a:rPr lang="en-US" sz="1000" dirty="0">
-                <a:solidFill>
-                  <a:schemeClr val="bg2"/>
-                </a:solidFill>
-              </a:rPr>
-              <a:t>3</a:t>
-            </a:r>
-          </a:p>
-        </p:txBody>
-      </p:sp>
-      <p:sp>
-        <p:nvSpPr>
-          <p:cNvPr id="17" name="TextBox 16">
-            <a:extLst>
-              <a:ext uri="{FF2B5EF4-FFF2-40B4-BE49-F238E27FC236}">
-                <a16:creationId xmlns:a16="http://schemas.microsoft.com/office/drawing/2014/main" id="{0C32545F-A5CE-D49F-953E-BA82DBD132EA}"/>
-              </a:ext>
-            </a:extLst>
-          </p:cNvPr>
-          <p:cNvSpPr txBox="1"/>
-          <p:nvPr/>
-        </p:nvSpPr>
-        <p:spPr>
-          <a:xfrm>
-            <a:off x="6314861" y="6611778"/>
-            <a:ext cx="1828800" cy="230832"/>
-          </a:xfrm>
-          <a:prstGeom prst="rect">
-            <a:avLst/>
-          </a:prstGeom>
-          <a:noFill/>
-        </p:spPr>
-        <p:txBody>
-          <a:bodyPr wrap="square" rtlCol="0">
-            <a:spAutoFit/>
-          </a:bodyPr>
-          <a:lstStyle/>
-          <a:p>
-            <a:r>
-              <a:rPr lang="en-US" sz="900" dirty="0">
-                <a:solidFill>
-                  <a:schemeClr val="bg2">
-                    <a:lumMod val="90000"/>
-                  </a:schemeClr>
-                </a:solidFill>
-                <a:latin typeface="Open Sans" panose="020B0606030504020204" pitchFamily="34" charset="0"/>
-                <a:ea typeface="Open Sans" panose="020B0606030504020204" pitchFamily="34" charset="0"/>
-                <a:cs typeface="Open Sans" panose="020B0606030504020204" pitchFamily="34" charset="0"/>
-              </a:rPr>
-              <a:t>Recommendation</a:t>
-            </a:r>
-          </a:p>
-        </p:txBody>
-      </p:sp>
-      <p:sp>
-        <p:nvSpPr>
-          <p:cNvPr id="18" name="Oval 17">
-            <a:extLst>
-              <a:ext uri="{FF2B5EF4-FFF2-40B4-BE49-F238E27FC236}">
-                <a16:creationId xmlns:a16="http://schemas.microsoft.com/office/drawing/2014/main" id="{A1BAED13-CD70-6EF1-2085-84F1369D4465}"/>
-              </a:ext>
-            </a:extLst>
-          </p:cNvPr>
-          <p:cNvSpPr/>
-          <p:nvPr/>
-        </p:nvSpPr>
-        <p:spPr>
-          <a:xfrm>
-            <a:off x="8228977" y="6359779"/>
-            <a:ext cx="252000" cy="252000"/>
-          </a:xfrm>
-          <a:prstGeom prst="ellipse">
-            <a:avLst/>
-          </a:prstGeom>
-          <a:solidFill>
-            <a:schemeClr val="accent1"/>
-          </a:solidFill>
-          <a:ln>
-            <a:solidFill>
-              <a:schemeClr val="accent2"/>
-            </a:solidFill>
-            <a:prstDash val="sysDash"/>
-          </a:ln>
-        </p:spPr>
-        <p:style>
-          <a:lnRef idx="2">
-            <a:schemeClr val="accent1">
-              <a:shade val="50000"/>
-            </a:schemeClr>
-          </a:lnRef>
-          <a:fillRef idx="1">
-            <a:schemeClr val="accent1"/>
-          </a:fillRef>
-          <a:effectRef idx="0">
-            <a:schemeClr val="accent1"/>
-          </a:effectRef>
-          <a:fontRef idx="minor">
-            <a:schemeClr val="lt1"/>
-          </a:fontRef>
-        </p:style>
-        <p:txBody>
-          <a:bodyPr rtlCol="0" anchor="ctr"/>
-          <a:lstStyle/>
-          <a:p>
-            <a:pPr algn="ctr"/>
-            <a:r>
-              <a:rPr lang="en-US" sz="1000" dirty="0">
-                <a:solidFill>
-                  <a:schemeClr val="bg2"/>
-                </a:solidFill>
-              </a:rPr>
-              <a:t>4</a:t>
-            </a:r>
-          </a:p>
-        </p:txBody>
-      </p:sp>
-      <p:sp>
-        <p:nvSpPr>
-          <p:cNvPr id="19" name="TextBox 18">
-            <a:extLst>
-              <a:ext uri="{FF2B5EF4-FFF2-40B4-BE49-F238E27FC236}">
-                <a16:creationId xmlns:a16="http://schemas.microsoft.com/office/drawing/2014/main" id="{0B3383F2-74C6-9417-446E-9BB2ED4442BB}"/>
-              </a:ext>
-            </a:extLst>
-          </p:cNvPr>
-          <p:cNvSpPr txBox="1"/>
-          <p:nvPr/>
-        </p:nvSpPr>
-        <p:spPr>
-          <a:xfrm>
-            <a:off x="7888446" y="6611778"/>
-            <a:ext cx="1828800" cy="230832"/>
-          </a:xfrm>
-          <a:prstGeom prst="rect">
-            <a:avLst/>
-          </a:prstGeom>
-          <a:noFill/>
-        </p:spPr>
-        <p:txBody>
-          <a:bodyPr wrap="square" rtlCol="0">
-            <a:spAutoFit/>
-          </a:bodyPr>
-          <a:lstStyle/>
-          <a:p>
-            <a:r>
-              <a:rPr lang="en-US" sz="900" dirty="0">
-                <a:solidFill>
-                  <a:schemeClr val="accent1"/>
-                </a:solidFill>
-                <a:latin typeface="Open Sans" panose="020B0606030504020204" pitchFamily="34" charset="0"/>
-                <a:ea typeface="Open Sans" panose="020B0606030504020204" pitchFamily="34" charset="0"/>
-                <a:cs typeface="Open Sans" panose="020B0606030504020204" pitchFamily="34" charset="0"/>
-              </a:rPr>
-              <a:t>Team Overview</a:t>
-            </a:r>
-          </a:p>
-        </p:txBody>
-      </p:sp>
-      <p:pic>
-        <p:nvPicPr>
-          <p:cNvPr id="21" name="Picture 20" descr="A person wearing a white shirt&#10;&#10;Description automatically generated with low confidence">
-            <a:extLst>
-              <a:ext uri="{FF2B5EF4-FFF2-40B4-BE49-F238E27FC236}">
-                <a16:creationId xmlns:a16="http://schemas.microsoft.com/office/drawing/2014/main" id="{FC1EF486-53FC-9066-5EDA-695AF760B929}"/>
-              </a:ext>
-            </a:extLst>
-          </p:cNvPr>
-          <p:cNvPicPr>
-            <a:picLocks noChangeAspect="1"/>
-          </p:cNvPicPr>
-          <p:nvPr/>
-        </p:nvPicPr>
-        <p:blipFill>
-          <a:blip r:embed="rId2"/>
-          <a:stretch>
-            <a:fillRect/>
-          </a:stretch>
-        </p:blipFill>
-        <p:spPr>
-          <a:xfrm>
-            <a:off x="1557526" y="908050"/>
-            <a:ext cx="1144431" cy="1716433"/>
-          </a:xfrm>
-          <a:prstGeom prst="rect">
-            <a:avLst/>
-          </a:prstGeom>
-        </p:spPr>
-      </p:pic>
-      <p:sp>
-        <p:nvSpPr>
-          <p:cNvPr id="22" name="TextBox 21">
-            <a:extLst>
-              <a:ext uri="{FF2B5EF4-FFF2-40B4-BE49-F238E27FC236}">
-                <a16:creationId xmlns:a16="http://schemas.microsoft.com/office/drawing/2014/main" id="{B7D72C7C-7111-7DD1-CF6F-B8DC85B7DEFF}"/>
-              </a:ext>
-            </a:extLst>
-          </p:cNvPr>
-          <p:cNvSpPr txBox="1"/>
-          <p:nvPr/>
-        </p:nvSpPr>
-        <p:spPr>
-          <a:xfrm>
-            <a:off x="1090663" y="2624484"/>
-            <a:ext cx="2665337" cy="369332"/>
-          </a:xfrm>
-          <a:prstGeom prst="rect">
-            <a:avLst/>
-          </a:prstGeom>
-          <a:noFill/>
-        </p:spPr>
-        <p:txBody>
-          <a:bodyPr wrap="square" rtlCol="0">
-            <a:spAutoFit/>
-          </a:bodyPr>
-          <a:lstStyle/>
-          <a:p>
-            <a:r>
-              <a:rPr lang="en-US" b="1" dirty="0">
-                <a:solidFill>
-                  <a:schemeClr val="accent1"/>
-                </a:solidFill>
-                <a:latin typeface="Open Sans" panose="020B0606030504020204" pitchFamily="34" charset="0"/>
-                <a:ea typeface="Open Sans" panose="020B0606030504020204" pitchFamily="34" charset="0"/>
-                <a:cs typeface="Open Sans" panose="020B0606030504020204" pitchFamily="34" charset="0"/>
-              </a:rPr>
-              <a:t>Harrison Obamwonyi </a:t>
-            </a:r>
-          </a:p>
-        </p:txBody>
-      </p:sp>
-      <p:sp>
-        <p:nvSpPr>
-          <p:cNvPr id="23" name="TextBox 22">
-            <a:extLst>
-              <a:ext uri="{FF2B5EF4-FFF2-40B4-BE49-F238E27FC236}">
-                <a16:creationId xmlns:a16="http://schemas.microsoft.com/office/drawing/2014/main" id="{6CF7213F-424F-6469-49B9-B1731DA30B36}"/>
-              </a:ext>
-            </a:extLst>
-          </p:cNvPr>
-          <p:cNvSpPr txBox="1"/>
-          <p:nvPr/>
-        </p:nvSpPr>
-        <p:spPr>
-          <a:xfrm>
-            <a:off x="4422343" y="2594245"/>
-            <a:ext cx="3618897" cy="369332"/>
-          </a:xfrm>
-          <a:prstGeom prst="rect">
-            <a:avLst/>
-          </a:prstGeom>
-          <a:noFill/>
-        </p:spPr>
-        <p:txBody>
-          <a:bodyPr wrap="square" rtlCol="0">
-            <a:spAutoFit/>
-          </a:bodyPr>
-          <a:lstStyle/>
-          <a:p>
-            <a:r>
-              <a:rPr lang="en-GB" sz="1800" b="1" i="0" u="none" strike="noStrike" dirty="0" err="1">
-                <a:solidFill>
-                  <a:schemeClr val="accent1"/>
-                </a:solidFill>
-                <a:effectLst/>
-                <a:latin typeface="Open Sans" panose="020B0606030504020204" pitchFamily="34" charset="0"/>
-                <a:ea typeface="Open Sans" panose="020B0606030504020204" pitchFamily="34" charset="0"/>
-                <a:cs typeface="Open Sans" panose="020B0606030504020204" pitchFamily="34" charset="0"/>
-              </a:rPr>
-              <a:t>Folake</a:t>
-            </a:r>
-            <a:r>
-              <a:rPr lang="en-GB" sz="1800" b="1" i="0" u="none" strike="noStrike" dirty="0">
-                <a:solidFill>
-                  <a:schemeClr val="accent1"/>
-                </a:solidFill>
-                <a:effectLst/>
-                <a:latin typeface="Open Sans" panose="020B0606030504020204" pitchFamily="34" charset="0"/>
-                <a:ea typeface="Open Sans" panose="020B0606030504020204" pitchFamily="34" charset="0"/>
-                <a:cs typeface="Open Sans" panose="020B0606030504020204" pitchFamily="34" charset="0"/>
-              </a:rPr>
-              <a:t> </a:t>
-            </a:r>
-            <a:r>
-              <a:rPr lang="en-GB" sz="1800" b="1" i="0" u="none" strike="noStrike" dirty="0" err="1">
-                <a:solidFill>
-                  <a:schemeClr val="accent1"/>
-                </a:solidFill>
-                <a:effectLst/>
-                <a:latin typeface="Open Sans" panose="020B0606030504020204" pitchFamily="34" charset="0"/>
-                <a:ea typeface="Open Sans" panose="020B0606030504020204" pitchFamily="34" charset="0"/>
-                <a:cs typeface="Open Sans" panose="020B0606030504020204" pitchFamily="34" charset="0"/>
-              </a:rPr>
-              <a:t>Monsurat</a:t>
-            </a:r>
-            <a:r>
-              <a:rPr lang="en-GB" sz="1800" b="1" i="0" u="none" strike="noStrike" dirty="0">
-                <a:solidFill>
-                  <a:schemeClr val="accent1"/>
-                </a:solidFill>
-                <a:effectLst/>
-                <a:latin typeface="Open Sans" panose="020B0606030504020204" pitchFamily="34" charset="0"/>
-                <a:ea typeface="Open Sans" panose="020B0606030504020204" pitchFamily="34" charset="0"/>
-                <a:cs typeface="Open Sans" panose="020B0606030504020204" pitchFamily="34" charset="0"/>
-              </a:rPr>
-              <a:t> Ajao</a:t>
-            </a:r>
-            <a:endParaRPr lang="en-US" b="1" dirty="0">
-              <a:solidFill>
-                <a:schemeClr val="accent1"/>
-              </a:solidFill>
-              <a:latin typeface="Open Sans" panose="020B0606030504020204" pitchFamily="34" charset="0"/>
-              <a:ea typeface="Open Sans" panose="020B0606030504020204" pitchFamily="34" charset="0"/>
-              <a:cs typeface="Open Sans" panose="020B0606030504020204" pitchFamily="34" charset="0"/>
-            </a:endParaRPr>
-          </a:p>
-        </p:txBody>
-      </p:sp>
-      <p:sp>
-        <p:nvSpPr>
-          <p:cNvPr id="24" name="TextBox 23">
-            <a:extLst>
-              <a:ext uri="{FF2B5EF4-FFF2-40B4-BE49-F238E27FC236}">
-                <a16:creationId xmlns:a16="http://schemas.microsoft.com/office/drawing/2014/main" id="{81E0C6B7-5326-9065-F172-79E58E4CE3CB}"/>
-              </a:ext>
-            </a:extLst>
-          </p:cNvPr>
-          <p:cNvSpPr txBox="1"/>
-          <p:nvPr/>
-        </p:nvSpPr>
-        <p:spPr>
-          <a:xfrm>
-            <a:off x="892508" y="5114781"/>
-            <a:ext cx="3618897" cy="369332"/>
-          </a:xfrm>
-          <a:prstGeom prst="rect">
-            <a:avLst/>
-          </a:prstGeom>
-          <a:noFill/>
-        </p:spPr>
-        <p:txBody>
-          <a:bodyPr wrap="square" rtlCol="0">
-            <a:spAutoFit/>
-          </a:bodyPr>
-          <a:lstStyle/>
-          <a:p>
-            <a:r>
-              <a:rPr lang="en-GB" sz="1800" b="1" i="0" u="none" strike="noStrike" dirty="0" err="1">
-                <a:solidFill>
-                  <a:schemeClr val="accent1"/>
-                </a:solidFill>
-                <a:effectLst/>
-                <a:latin typeface="Open Sans" panose="020B0606030504020204" pitchFamily="34" charset="0"/>
-                <a:ea typeface="Open Sans" panose="020B0606030504020204" pitchFamily="34" charset="0"/>
-                <a:cs typeface="Open Sans" panose="020B0606030504020204" pitchFamily="34" charset="0"/>
-              </a:rPr>
-              <a:t>Gbemisola</a:t>
-            </a:r>
-            <a:r>
-              <a:rPr lang="en-GB" sz="1800" b="1" i="0" u="none" strike="noStrike" dirty="0">
-                <a:solidFill>
-                  <a:schemeClr val="accent1"/>
-                </a:solidFill>
-                <a:effectLst/>
-                <a:latin typeface="Open Sans" panose="020B0606030504020204" pitchFamily="34" charset="0"/>
-                <a:ea typeface="Open Sans" panose="020B0606030504020204" pitchFamily="34" charset="0"/>
-                <a:cs typeface="Open Sans" panose="020B0606030504020204" pitchFamily="34" charset="0"/>
-              </a:rPr>
-              <a:t> </a:t>
-            </a:r>
-            <a:r>
-              <a:rPr lang="en-GB" sz="1800" b="1" i="0" u="none" strike="noStrike" dirty="0" err="1">
-                <a:solidFill>
-                  <a:schemeClr val="accent1"/>
-                </a:solidFill>
-                <a:effectLst/>
-                <a:latin typeface="Open Sans" panose="020B0606030504020204" pitchFamily="34" charset="0"/>
-                <a:ea typeface="Open Sans" panose="020B0606030504020204" pitchFamily="34" charset="0"/>
-                <a:cs typeface="Open Sans" panose="020B0606030504020204" pitchFamily="34" charset="0"/>
-              </a:rPr>
-              <a:t>Tosin</a:t>
-            </a:r>
-            <a:r>
-              <a:rPr lang="en-GB" sz="1800" b="1" i="0" u="none" strike="noStrike" dirty="0">
-                <a:solidFill>
-                  <a:schemeClr val="accent1"/>
-                </a:solidFill>
-                <a:effectLst/>
-                <a:latin typeface="Open Sans" panose="020B0606030504020204" pitchFamily="34" charset="0"/>
-                <a:ea typeface="Open Sans" panose="020B0606030504020204" pitchFamily="34" charset="0"/>
-                <a:cs typeface="Open Sans" panose="020B0606030504020204" pitchFamily="34" charset="0"/>
-              </a:rPr>
-              <a:t> </a:t>
-            </a:r>
-            <a:r>
-              <a:rPr lang="en-GB" sz="1800" b="1" i="0" u="none" strike="noStrike" dirty="0" err="1">
-                <a:solidFill>
-                  <a:schemeClr val="accent1"/>
-                </a:solidFill>
-                <a:effectLst/>
-                <a:latin typeface="Open Sans" panose="020B0606030504020204" pitchFamily="34" charset="0"/>
-                <a:ea typeface="Open Sans" panose="020B0606030504020204" pitchFamily="34" charset="0"/>
-                <a:cs typeface="Open Sans" panose="020B0606030504020204" pitchFamily="34" charset="0"/>
-              </a:rPr>
-              <a:t>Ibitomi</a:t>
-            </a:r>
-            <a:endParaRPr lang="en-US" b="1" dirty="0">
-              <a:solidFill>
-                <a:schemeClr val="accent1"/>
-              </a:solidFill>
-              <a:latin typeface="Open Sans" panose="020B0606030504020204" pitchFamily="34" charset="0"/>
-              <a:ea typeface="Open Sans" panose="020B0606030504020204" pitchFamily="34" charset="0"/>
-              <a:cs typeface="Open Sans" panose="020B0606030504020204" pitchFamily="34" charset="0"/>
-            </a:endParaRPr>
-          </a:p>
-        </p:txBody>
-      </p:sp>
-      <p:sp>
-        <p:nvSpPr>
-          <p:cNvPr id="26" name="TextBox 25">
-            <a:extLst>
-              <a:ext uri="{FF2B5EF4-FFF2-40B4-BE49-F238E27FC236}">
-                <a16:creationId xmlns:a16="http://schemas.microsoft.com/office/drawing/2014/main" id="{F9614465-14B3-6CFB-D599-4FEF9E5C4006}"/>
-              </a:ext>
-            </a:extLst>
-          </p:cNvPr>
-          <p:cNvSpPr txBox="1"/>
-          <p:nvPr/>
-        </p:nvSpPr>
-        <p:spPr>
-          <a:xfrm>
-            <a:off x="8060592" y="2604533"/>
-            <a:ext cx="3618897" cy="369332"/>
-          </a:xfrm>
-          <a:prstGeom prst="rect">
-            <a:avLst/>
-          </a:prstGeom>
-          <a:noFill/>
-        </p:spPr>
-        <p:txBody>
-          <a:bodyPr wrap="square" rtlCol="0">
-            <a:spAutoFit/>
-          </a:bodyPr>
-          <a:lstStyle/>
-          <a:p>
-            <a:r>
-              <a:rPr lang="en-GB" sz="1800" b="1" i="0" u="none" strike="noStrike" dirty="0" err="1">
-                <a:solidFill>
-                  <a:schemeClr val="accent1"/>
-                </a:solidFill>
-                <a:effectLst/>
-                <a:latin typeface="Open Sans" panose="020B0606030504020204" pitchFamily="34" charset="0"/>
-                <a:ea typeface="Open Sans" panose="020B0606030504020204" pitchFamily="34" charset="0"/>
-                <a:cs typeface="Open Sans" panose="020B0606030504020204" pitchFamily="34" charset="0"/>
-              </a:rPr>
-              <a:t>Olashile</a:t>
-            </a:r>
-            <a:r>
-              <a:rPr lang="en-GB" sz="1800" b="1" i="0" u="none" strike="noStrike" dirty="0">
-                <a:solidFill>
-                  <a:schemeClr val="accent1"/>
-                </a:solidFill>
-                <a:effectLst/>
-                <a:latin typeface="Open Sans" panose="020B0606030504020204" pitchFamily="34" charset="0"/>
-                <a:ea typeface="Open Sans" panose="020B0606030504020204" pitchFamily="34" charset="0"/>
-                <a:cs typeface="Open Sans" panose="020B0606030504020204" pitchFamily="34" charset="0"/>
-              </a:rPr>
-              <a:t> Mariam </a:t>
-            </a:r>
-            <a:r>
-              <a:rPr lang="en-GB" sz="1800" b="1" i="0" u="none" strike="noStrike" dirty="0" err="1">
-                <a:solidFill>
-                  <a:schemeClr val="accent1"/>
-                </a:solidFill>
-                <a:effectLst/>
-                <a:latin typeface="Open Sans" panose="020B0606030504020204" pitchFamily="34" charset="0"/>
-                <a:ea typeface="Open Sans" panose="020B0606030504020204" pitchFamily="34" charset="0"/>
-                <a:cs typeface="Open Sans" panose="020B0606030504020204" pitchFamily="34" charset="0"/>
-              </a:rPr>
-              <a:t>Oladunni</a:t>
-            </a:r>
-            <a:r>
-              <a:rPr lang="en-GB" sz="1800" b="1" dirty="0">
-                <a:solidFill>
-                  <a:schemeClr val="accent1"/>
-                </a:solidFill>
-                <a:latin typeface="Open Sans" panose="020B0606030504020204" pitchFamily="34" charset="0"/>
-                <a:ea typeface="Open Sans" panose="020B0606030504020204" pitchFamily="34" charset="0"/>
-                <a:cs typeface="Open Sans" panose="020B0606030504020204" pitchFamily="34" charset="0"/>
-              </a:rPr>
-              <a:t>  </a:t>
-            </a:r>
-            <a:endParaRPr lang="en-US" b="1" dirty="0">
-              <a:solidFill>
-                <a:schemeClr val="accent1"/>
-              </a:solidFill>
-              <a:latin typeface="Open Sans" panose="020B0606030504020204" pitchFamily="34" charset="0"/>
-              <a:ea typeface="Open Sans" panose="020B0606030504020204" pitchFamily="34" charset="0"/>
-              <a:cs typeface="Open Sans" panose="020B0606030504020204" pitchFamily="34" charset="0"/>
-            </a:endParaRPr>
-          </a:p>
-        </p:txBody>
-      </p:sp>
-      <p:sp>
-        <p:nvSpPr>
-          <p:cNvPr id="27" name="TextBox 26">
-            <a:extLst>
-              <a:ext uri="{FF2B5EF4-FFF2-40B4-BE49-F238E27FC236}">
-                <a16:creationId xmlns:a16="http://schemas.microsoft.com/office/drawing/2014/main" id="{32A357A7-EC8A-FEC1-D449-CA15AE89A3AB}"/>
-              </a:ext>
-            </a:extLst>
-          </p:cNvPr>
-          <p:cNvSpPr txBox="1"/>
-          <p:nvPr/>
-        </p:nvSpPr>
-        <p:spPr>
-          <a:xfrm>
-            <a:off x="4441695" y="5055678"/>
-            <a:ext cx="3618897" cy="369332"/>
-          </a:xfrm>
-          <a:prstGeom prst="rect">
-            <a:avLst/>
-          </a:prstGeom>
-          <a:noFill/>
-        </p:spPr>
-        <p:txBody>
-          <a:bodyPr wrap="square" rtlCol="0">
-            <a:spAutoFit/>
-          </a:bodyPr>
-          <a:lstStyle/>
-          <a:p>
-            <a:r>
-              <a:rPr lang="en-GB" sz="1800" b="1" i="0" u="none" strike="noStrike" dirty="0">
-                <a:solidFill>
-                  <a:schemeClr val="accent1"/>
-                </a:solidFill>
-                <a:effectLst/>
-                <a:latin typeface="Open Sans" panose="020B0606030504020204" pitchFamily="34" charset="0"/>
-                <a:ea typeface="Open Sans" panose="020B0606030504020204" pitchFamily="34" charset="0"/>
-                <a:cs typeface="Open Sans" panose="020B0606030504020204" pitchFamily="34" charset="0"/>
-              </a:rPr>
-              <a:t>Taiwo </a:t>
-            </a:r>
-            <a:r>
-              <a:rPr lang="en-GB" sz="1800" b="1" i="0" u="none" strike="noStrike" dirty="0" err="1">
-                <a:solidFill>
-                  <a:schemeClr val="accent1"/>
-                </a:solidFill>
-                <a:effectLst/>
-                <a:latin typeface="Open Sans" panose="020B0606030504020204" pitchFamily="34" charset="0"/>
-                <a:ea typeface="Open Sans" panose="020B0606030504020204" pitchFamily="34" charset="0"/>
-                <a:cs typeface="Open Sans" panose="020B0606030504020204" pitchFamily="34" charset="0"/>
-              </a:rPr>
-              <a:t>Eniola</a:t>
-            </a:r>
-            <a:r>
-              <a:rPr lang="en-GB" sz="1800" b="1" i="0" u="none" strike="noStrike" dirty="0">
-                <a:solidFill>
-                  <a:schemeClr val="accent1"/>
-                </a:solidFill>
-                <a:effectLst/>
-                <a:latin typeface="Open Sans" panose="020B0606030504020204" pitchFamily="34" charset="0"/>
-                <a:ea typeface="Open Sans" panose="020B0606030504020204" pitchFamily="34" charset="0"/>
-                <a:cs typeface="Open Sans" panose="020B0606030504020204" pitchFamily="34" charset="0"/>
-              </a:rPr>
-              <a:t> </a:t>
-            </a:r>
-            <a:r>
-              <a:rPr lang="en-GB" sz="1800" b="1" i="0" u="none" strike="noStrike" dirty="0" err="1">
-                <a:solidFill>
-                  <a:schemeClr val="accent1"/>
-                </a:solidFill>
-                <a:effectLst/>
-                <a:latin typeface="Open Sans" panose="020B0606030504020204" pitchFamily="34" charset="0"/>
-                <a:ea typeface="Open Sans" panose="020B0606030504020204" pitchFamily="34" charset="0"/>
-                <a:cs typeface="Open Sans" panose="020B0606030504020204" pitchFamily="34" charset="0"/>
-              </a:rPr>
-              <a:t>Damisa</a:t>
-            </a:r>
-            <a:r>
-              <a:rPr lang="en-GB" sz="1800" b="1" dirty="0">
-                <a:solidFill>
-                  <a:schemeClr val="accent1"/>
-                </a:solidFill>
-                <a:latin typeface="Open Sans" panose="020B0606030504020204" pitchFamily="34" charset="0"/>
-                <a:ea typeface="Open Sans" panose="020B0606030504020204" pitchFamily="34" charset="0"/>
-                <a:cs typeface="Open Sans" panose="020B0606030504020204" pitchFamily="34" charset="0"/>
-              </a:rPr>
-              <a:t> </a:t>
-            </a:r>
-            <a:endParaRPr lang="en-US" b="1" dirty="0">
-              <a:solidFill>
-                <a:schemeClr val="accent1"/>
-              </a:solidFill>
-              <a:latin typeface="Open Sans" panose="020B0606030504020204" pitchFamily="34" charset="0"/>
-              <a:ea typeface="Open Sans" panose="020B0606030504020204" pitchFamily="34" charset="0"/>
-              <a:cs typeface="Open Sans" panose="020B0606030504020204" pitchFamily="34" charset="0"/>
-            </a:endParaRPr>
-          </a:p>
-        </p:txBody>
-      </p:sp>
-      <p:sp>
-        <p:nvSpPr>
-          <p:cNvPr id="28" name="TextBox 27">
-            <a:extLst>
-              <a:ext uri="{FF2B5EF4-FFF2-40B4-BE49-F238E27FC236}">
-                <a16:creationId xmlns:a16="http://schemas.microsoft.com/office/drawing/2014/main" id="{2A2949C8-A23A-63D8-F18B-30D3BA08636A}"/>
-              </a:ext>
-            </a:extLst>
-          </p:cNvPr>
-          <p:cNvSpPr txBox="1"/>
-          <p:nvPr/>
-        </p:nvSpPr>
-        <p:spPr>
-          <a:xfrm>
-            <a:off x="8641394" y="5055678"/>
-            <a:ext cx="2658098" cy="369332"/>
-          </a:xfrm>
-          <a:prstGeom prst="rect">
-            <a:avLst/>
-          </a:prstGeom>
-          <a:noFill/>
-        </p:spPr>
-        <p:txBody>
-          <a:bodyPr wrap="square" rtlCol="0">
-            <a:spAutoFit/>
-          </a:bodyPr>
-          <a:lstStyle/>
-          <a:p>
-            <a:r>
-              <a:rPr lang="en-GB" sz="1800" b="1" i="0" u="none" strike="noStrike" dirty="0">
-                <a:solidFill>
-                  <a:schemeClr val="accent1"/>
-                </a:solidFill>
-                <a:effectLst/>
-                <a:latin typeface="Open Sans" panose="020B0606030504020204" pitchFamily="34" charset="0"/>
-                <a:ea typeface="Open Sans" panose="020B0606030504020204" pitchFamily="34" charset="0"/>
-                <a:cs typeface="Open Sans" panose="020B0606030504020204" pitchFamily="34" charset="0"/>
-              </a:rPr>
-              <a:t>Praise </a:t>
-            </a:r>
-            <a:r>
-              <a:rPr lang="en-GB" sz="1800" b="1" i="0" u="none" strike="noStrike" dirty="0" err="1">
-                <a:solidFill>
-                  <a:schemeClr val="accent1"/>
-                </a:solidFill>
-                <a:effectLst/>
-                <a:latin typeface="Open Sans" panose="020B0606030504020204" pitchFamily="34" charset="0"/>
-                <a:ea typeface="Open Sans" panose="020B0606030504020204" pitchFamily="34" charset="0"/>
-                <a:cs typeface="Open Sans" panose="020B0606030504020204" pitchFamily="34" charset="0"/>
-              </a:rPr>
-              <a:t>Ekebafe</a:t>
-            </a:r>
-            <a:r>
-              <a:rPr lang="en-GB" sz="1800" b="1" i="0" u="none" strike="noStrike" dirty="0">
-                <a:solidFill>
-                  <a:schemeClr val="accent1"/>
-                </a:solidFill>
-                <a:effectLst/>
-                <a:latin typeface="Open Sans" panose="020B0606030504020204" pitchFamily="34" charset="0"/>
-                <a:ea typeface="Open Sans" panose="020B0606030504020204" pitchFamily="34" charset="0"/>
-                <a:cs typeface="Open Sans" panose="020B0606030504020204" pitchFamily="34" charset="0"/>
-              </a:rPr>
-              <a:t> </a:t>
-            </a:r>
-            <a:r>
-              <a:rPr lang="en-GB" sz="1800" b="1" dirty="0">
-                <a:solidFill>
-                  <a:schemeClr val="accent1"/>
-                </a:solidFill>
-                <a:latin typeface="Open Sans" panose="020B0606030504020204" pitchFamily="34" charset="0"/>
-                <a:ea typeface="Open Sans" panose="020B0606030504020204" pitchFamily="34" charset="0"/>
-                <a:cs typeface="Open Sans" panose="020B0606030504020204" pitchFamily="34" charset="0"/>
-              </a:rPr>
-              <a:t> </a:t>
-            </a:r>
-            <a:endParaRPr lang="en-US" b="1" dirty="0">
-              <a:solidFill>
-                <a:schemeClr val="accent1"/>
-              </a:solidFill>
-              <a:latin typeface="Open Sans" panose="020B0606030504020204" pitchFamily="34" charset="0"/>
-              <a:ea typeface="Open Sans" panose="020B0606030504020204" pitchFamily="34" charset="0"/>
-              <a:cs typeface="Open Sans" panose="020B0606030504020204" pitchFamily="34" charset="0"/>
-            </a:endParaRPr>
-          </a:p>
-        </p:txBody>
-      </p:sp>
-      <p:pic>
-        <p:nvPicPr>
-          <p:cNvPr id="32" name="Picture 31" descr="A person smiling for the camera&#10;&#10;Description automatically generated with low confidence">
-            <a:extLst>
-              <a:ext uri="{FF2B5EF4-FFF2-40B4-BE49-F238E27FC236}">
-                <a16:creationId xmlns:a16="http://schemas.microsoft.com/office/drawing/2014/main" id="{824E73CB-A8B7-A501-116A-EADAA15C80B9}"/>
-              </a:ext>
-            </a:extLst>
-          </p:cNvPr>
-          <p:cNvPicPr>
-            <a:picLocks noChangeAspect="1"/>
-          </p:cNvPicPr>
-          <p:nvPr/>
-        </p:nvPicPr>
-        <p:blipFill>
-          <a:blip r:embed="rId3"/>
-          <a:stretch>
-            <a:fillRect/>
-          </a:stretch>
-        </p:blipFill>
-        <p:spPr>
-          <a:xfrm>
-            <a:off x="4913422" y="968463"/>
-            <a:ext cx="1144431" cy="1718325"/>
-          </a:xfrm>
-          <a:prstGeom prst="rect">
-            <a:avLst/>
-          </a:prstGeom>
-        </p:spPr>
-      </p:pic>
-      <p:pic>
-        <p:nvPicPr>
-          <p:cNvPr id="4" name="Picture 3" descr="A person with curly hair&#10;&#10;Description automatically generated with low confidence">
-            <a:extLst>
-              <a:ext uri="{FF2B5EF4-FFF2-40B4-BE49-F238E27FC236}">
-                <a16:creationId xmlns:a16="http://schemas.microsoft.com/office/drawing/2014/main" id="{D7DE91FD-0AE5-439F-1842-E1C424CB75DE}"/>
-              </a:ext>
-            </a:extLst>
-          </p:cNvPr>
-          <p:cNvPicPr>
-            <a:picLocks noChangeAspect="1"/>
-          </p:cNvPicPr>
-          <p:nvPr/>
-        </p:nvPicPr>
-        <p:blipFill>
-          <a:blip r:embed="rId4"/>
-          <a:stretch>
-            <a:fillRect/>
-          </a:stretch>
-        </p:blipFill>
-        <p:spPr>
-          <a:xfrm>
-            <a:off x="1439742" y="3317155"/>
-            <a:ext cx="1227359" cy="1843920"/>
-          </a:xfrm>
-          <a:prstGeom prst="rect">
-            <a:avLst/>
-          </a:prstGeom>
-        </p:spPr>
-      </p:pic>
-      <p:pic>
-        <p:nvPicPr>
-          <p:cNvPr id="6" name="Picture 5" descr="A person smiling for the camera&#10;&#10;Description automatically generated with medium confidence">
-            <a:extLst>
-              <a:ext uri="{FF2B5EF4-FFF2-40B4-BE49-F238E27FC236}">
-                <a16:creationId xmlns:a16="http://schemas.microsoft.com/office/drawing/2014/main" id="{866677D5-7B00-E5F9-A35A-CA34952CAC07}"/>
-              </a:ext>
-            </a:extLst>
-          </p:cNvPr>
-          <p:cNvPicPr>
-            <a:picLocks noChangeAspect="1"/>
-          </p:cNvPicPr>
-          <p:nvPr/>
-        </p:nvPicPr>
-        <p:blipFill>
-          <a:blip r:embed="rId5"/>
-          <a:stretch>
-            <a:fillRect/>
-          </a:stretch>
-        </p:blipFill>
-        <p:spPr>
-          <a:xfrm>
-            <a:off x="4956271" y="3471220"/>
-            <a:ext cx="1232671" cy="1643561"/>
-          </a:xfrm>
-          <a:prstGeom prst="rect">
-            <a:avLst/>
-          </a:prstGeom>
-        </p:spPr>
-      </p:pic>
-      <p:pic>
-        <p:nvPicPr>
-          <p:cNvPr id="8" name="Picture 7" descr="A person wearing a blue head scarf&#10;&#10;Description automatically generated with low confidence">
-            <a:extLst>
-              <a:ext uri="{FF2B5EF4-FFF2-40B4-BE49-F238E27FC236}">
-                <a16:creationId xmlns:a16="http://schemas.microsoft.com/office/drawing/2014/main" id="{EDF1F847-DCD9-1C8F-0788-EFB163219938}"/>
-              </a:ext>
-            </a:extLst>
-          </p:cNvPr>
-          <p:cNvPicPr>
-            <a:picLocks noChangeAspect="1"/>
-          </p:cNvPicPr>
-          <p:nvPr/>
-        </p:nvPicPr>
-        <p:blipFill>
-          <a:blip r:embed="rId6"/>
-          <a:stretch>
-            <a:fillRect/>
-          </a:stretch>
-        </p:blipFill>
-        <p:spPr>
-          <a:xfrm>
-            <a:off x="8802846" y="3429000"/>
-            <a:ext cx="1350147" cy="1704170"/>
-          </a:xfrm>
-          <a:prstGeom prst="rect">
-            <a:avLst/>
-          </a:prstGeom>
-        </p:spPr>
-      </p:pic>
-      <p:pic>
-        <p:nvPicPr>
-          <p:cNvPr id="10" name="Picture 9" descr="A person taking a selfie&#10;&#10;Description automatically generated">
-            <a:extLst>
-              <a:ext uri="{FF2B5EF4-FFF2-40B4-BE49-F238E27FC236}">
-                <a16:creationId xmlns:a16="http://schemas.microsoft.com/office/drawing/2014/main" id="{EB3D64B2-E1F7-69E9-2F5D-123950FCA84C}"/>
-              </a:ext>
-            </a:extLst>
-          </p:cNvPr>
-          <p:cNvPicPr>
-            <a:picLocks noChangeAspect="1"/>
-          </p:cNvPicPr>
-          <p:nvPr/>
-        </p:nvPicPr>
-        <p:blipFill>
-          <a:blip r:embed="rId7"/>
-          <a:stretch>
-            <a:fillRect/>
-          </a:stretch>
-        </p:blipFill>
-        <p:spPr>
-          <a:xfrm>
-            <a:off x="8802846" y="1203806"/>
-            <a:ext cx="1194621" cy="1482981"/>
-          </a:xfrm>
-          <a:prstGeom prst="rect">
-            <a:avLst/>
-          </a:prstGeom>
-        </p:spPr>
-      </p:pic>
     </p:spTree>
     <p:extLst>
       <p:ext uri="{BB962C8B-B14F-4D97-AF65-F5344CB8AC3E}">
-        <p14:creationId xmlns:p14="http://schemas.microsoft.com/office/powerpoint/2010/main" val="103963503"/>
+        <p14:creationId xmlns:p14="http://schemas.microsoft.com/office/powerpoint/2010/main" val="3789681798"/>
       </p:ext>
     </p:extLst>
   </p:cSld>
   <p:clrMapOvr>
     <a:masterClrMapping/>
   </p:clrMapOvr>
-  <mc:AlternateContent xmlns:mc="http://schemas.openxmlformats.org/markup-compatibility/2006" xmlns:p14="http://schemas.microsoft.com/office/powerpoint/2010/main">
-    <mc:Choice Requires="p14">
-      <p:transition spd="slow" p14:dur="1500">
-        <p14:reveal/>
-      </p:transition>
-    </mc:Choice>
-    <mc:Fallback xmlns="">
-      <p:transition spd="slow">
-        <p:fade/>
-      </p:transition>
-    </mc:Fallback>
-  </mc:AlternateContent>
+  <p:transition spd="slow">
+    <p:wipe/>
+  </p:transition>
 </p:sld>
 </file>
 
@@ -33375,137 +32191,6 @@
           <p:cNvPr id="2" name="Title 1">
             <a:extLst>
               <a:ext uri="{FF2B5EF4-FFF2-40B4-BE49-F238E27FC236}">
-                <a16:creationId xmlns:a16="http://schemas.microsoft.com/office/drawing/2014/main" id="{01832AFF-BE92-21D9-A7DA-7E66C8C4B2F3}"/>
-              </a:ext>
-            </a:extLst>
-          </p:cNvPr>
-          <p:cNvSpPr>
-            <a:spLocks noGrp="1"/>
-          </p:cNvSpPr>
-          <p:nvPr>
-            <p:ph type="ctrTitle"/>
-          </p:nvPr>
-        </p:nvSpPr>
-        <p:spPr/>
-        <p:txBody>
-          <a:bodyPr/>
-          <a:lstStyle/>
-          <a:p>
-            <a:r>
-              <a:rPr lang="en-US" dirty="0"/>
-              <a:t>THANK YOU</a:t>
-            </a:r>
-          </a:p>
-        </p:txBody>
-      </p:sp>
-    </p:spTree>
-    <p:extLst>
-      <p:ext uri="{BB962C8B-B14F-4D97-AF65-F5344CB8AC3E}">
-        <p14:creationId xmlns:p14="http://schemas.microsoft.com/office/powerpoint/2010/main" val="801623538"/>
-      </p:ext>
-    </p:extLst>
-  </p:cSld>
-  <p:clrMapOvr>
-    <a:masterClrMapping/>
-  </p:clrMapOvr>
-  <mc:AlternateContent xmlns:mc="http://schemas.openxmlformats.org/markup-compatibility/2006" xmlns:p14="http://schemas.microsoft.com/office/powerpoint/2010/main">
-    <mc:Choice Requires="p14">
-      <p:transition spd="slow" p14:dur="1500">
-        <p:wipe/>
-      </p:transition>
-    </mc:Choice>
-    <mc:Fallback xmlns="">
-      <p:transition spd="slow">
-        <p:wipe/>
-      </p:transition>
-    </mc:Fallback>
-  </mc:AlternateContent>
-</p:sld>
-</file>
-
-<file path=ppt/slides/slide21.xml><?xml version="1.0" encoding="utf-8"?>
-<p:sld xmlns:a="http://schemas.openxmlformats.org/drawingml/2006/main" xmlns:r="http://schemas.openxmlformats.org/officeDocument/2006/relationships" xmlns:p="http://schemas.openxmlformats.org/presentationml/2006/main">
-  <p:cSld>
-    <p:spTree>
-      <p:nvGrpSpPr>
-        <p:cNvPr id="1" name=""/>
-        <p:cNvGrpSpPr/>
-        <p:nvPr/>
-      </p:nvGrpSpPr>
-      <p:grpSpPr>
-        <a:xfrm>
-          <a:off x="0" y="0"/>
-          <a:ext cx="0" cy="0"/>
-          <a:chOff x="0" y="0"/>
-          <a:chExt cx="0" cy="0"/>
-        </a:xfrm>
-      </p:grpSpPr>
-      <p:sp>
-        <p:nvSpPr>
-          <p:cNvPr id="2" name="Title 1">
-            <a:extLst>
-              <a:ext uri="{FF2B5EF4-FFF2-40B4-BE49-F238E27FC236}">
-                <a16:creationId xmlns:a16="http://schemas.microsoft.com/office/drawing/2014/main" id="{910C0C4C-7B87-350A-2466-99F5D7B6E50A}"/>
-              </a:ext>
-            </a:extLst>
-          </p:cNvPr>
-          <p:cNvSpPr>
-            <a:spLocks noGrp="1"/>
-          </p:cNvSpPr>
-          <p:nvPr>
-            <p:ph type="ctrTitle"/>
-          </p:nvPr>
-        </p:nvSpPr>
-        <p:spPr/>
-        <p:txBody>
-          <a:bodyPr/>
-          <a:lstStyle/>
-          <a:p>
-            <a:r>
-              <a:rPr lang="en-US" dirty="0"/>
-              <a:t>APPENDICES</a:t>
-            </a:r>
-          </a:p>
-        </p:txBody>
-      </p:sp>
-    </p:spTree>
-    <p:extLst>
-      <p:ext uri="{BB962C8B-B14F-4D97-AF65-F5344CB8AC3E}">
-        <p14:creationId xmlns:p14="http://schemas.microsoft.com/office/powerpoint/2010/main" val="3789681798"/>
-      </p:ext>
-    </p:extLst>
-  </p:cSld>
-  <p:clrMapOvr>
-    <a:masterClrMapping/>
-  </p:clrMapOvr>
-  <p:transition spd="slow">
-    <p:wipe/>
-  </p:transition>
-</p:sld>
-</file>
-
-<file path=ppt/slides/slide22.xml><?xml version="1.0" encoding="utf-8"?>
-<p:sld xmlns:a="http://schemas.openxmlformats.org/drawingml/2006/main" xmlns:r="http://schemas.openxmlformats.org/officeDocument/2006/relationships" xmlns:p="http://schemas.openxmlformats.org/presentationml/2006/main">
-  <p:cSld>
-    <p:spTree>
-      <p:nvGrpSpPr>
-        <p:cNvPr id="1" name=""/>
-        <p:cNvGrpSpPr/>
-        <p:nvPr/>
-      </p:nvGrpSpPr>
-      <p:grpSpPr>
-        <a:xfrm>
-          <a:off x="0" y="0"/>
-          <a:ext cx="0" cy="0"/>
-          <a:chOff x="0" y="0"/>
-          <a:chExt cx="0" cy="0"/>
-        </a:xfrm>
-      </p:grpSpPr>
-      <p:sp>
-        <p:nvSpPr>
-          <p:cNvPr id="2" name="Title 1">
-            <a:extLst>
-              <a:ext uri="{FF2B5EF4-FFF2-40B4-BE49-F238E27FC236}">
                 <a16:creationId xmlns:a16="http://schemas.microsoft.com/office/drawing/2014/main" id="{2869DFED-91E9-A925-8C1A-F3ABC5AA1C8E}"/>
               </a:ext>
             </a:extLst>
@@ -33949,7 +32634,7 @@
 </p:sld>
 </file>
 
-<file path=ppt/slides/slide23.xml><?xml version="1.0" encoding="utf-8"?>
+<file path=ppt/slides/slide21.xml><?xml version="1.0" encoding="utf-8"?>
 <p:sld xmlns:a="http://schemas.openxmlformats.org/drawingml/2006/main" xmlns:r="http://schemas.openxmlformats.org/officeDocument/2006/relationships" xmlns:p="http://schemas.openxmlformats.org/presentationml/2006/main">
   <p:cSld>
     <p:spTree>
